--- a/examples/output/data_table.pptx
+++ b/examples/output/data_table.pptx
@@ -223,7 +223,7 @@
           <p:nvPr/>
         </p:nvGraphicFramePr>
         <p:xfrm>
-          <a:off x="500000" y="1500000"/>
+          <a:off x="457200" y="1400000"/>
           <a:ext cx="5500000" cy="1600000"/>
         </p:xfrm>
         <a:graphic>
